--- a/Presentations/3a - JavaEE.pptx
+++ b/Presentations/3a - JavaEE.pptx
@@ -42,7 +42,7 @@
     <p:sldId id="287" r:id="rId33"/>
     <p:sldId id="288" r:id="rId34"/>
     <p:sldId id="289" r:id="rId35"/>
-    <p:sldId id="290" r:id="rId36"/>
+    <p:sldId id="291" r:id="rId36"/>
   </p:sldIdLst>
   <p:sldSz cx="9144000" cy="6858000" type="screen4x3"/>
   <p:notesSz cx="6858000" cy="9144000"/>
@@ -4341,7 +4341,7 @@
   <p:cSld>
     <p:spTree>
       <p:nvGrpSpPr>
-        <p:cNvPr id="1" name="Shape 466"/>
+        <p:cNvPr id="1" name="Shape 475"/>
         <p:cNvGrpSpPr/>
         <p:nvPr/>
       </p:nvGrpSpPr>
@@ -4355,7 +4355,7 @@
       </p:grpSpPr>
       <p:sp>
         <p:nvSpPr>
-          <p:cNvPr id="467" name="Shape 467"/>
+          <p:cNvPr id="476" name="Shape 476"/>
           <p:cNvSpPr txBox="1">
             <a:spLocks noGrp="1"/>
           </p:cNvSpPr>
@@ -4390,7 +4390,7 @@
       </p:sp>
       <p:sp>
         <p:nvSpPr>
-          <p:cNvPr id="468" name="Shape 468"/>
+          <p:cNvPr id="477" name="Shape 477"/>
           <p:cNvSpPr>
             <a:spLocks noGrp="1" noRot="1" noChangeAspect="1"/>
           </p:cNvSpPr>
@@ -30367,22 +30367,9 @@
 <file path=ppt/slides/slide35.xml><?xml version="1.0" encoding="utf-8"?>
 <p:sld xmlns:a="http://schemas.openxmlformats.org/drawingml/2006/main" xmlns:r="http://schemas.openxmlformats.org/officeDocument/2006/relationships" xmlns:p="http://schemas.openxmlformats.org/presentationml/2006/main">
   <p:cSld>
-    <p:bg>
-      <p:bgPr>
-        <a:blipFill rotWithShape="1">
-          <a:blip r:embed="rId3">
-            <a:alphaModFix/>
-          </a:blip>
-          <a:stretch>
-            <a:fillRect/>
-          </a:stretch>
-        </a:blipFill>
-        <a:effectLst/>
-      </p:bgPr>
-    </p:bg>
     <p:spTree>
       <p:nvGrpSpPr>
-        <p:cNvPr id="1" name="Shape 462"/>
+        <p:cNvPr id="1" name="Shape 471"/>
         <p:cNvGrpSpPr/>
         <p:nvPr/>
       </p:nvGrpSpPr>
@@ -30396,12 +30383,12 @@
       </p:grpSpPr>
       <p:pic>
         <p:nvPicPr>
-          <p:cNvPr id="463" name="Shape 463"/>
+          <p:cNvPr id="472" name="Shape 472"/>
           <p:cNvPicPr preferRelativeResize="0"/>
           <p:nvPr/>
         </p:nvPicPr>
         <p:blipFill rotWithShape="1">
-          <a:blip r:embed="rId4">
+          <a:blip r:embed="rId3">
             <a:alphaModFix/>
           </a:blip>
           <a:srcRect/>
@@ -30423,7 +30410,7 @@
       </p:pic>
       <p:sp>
         <p:nvSpPr>
-          <p:cNvPr id="464" name="Shape 464"/>
+          <p:cNvPr id="473" name="Shape 473"/>
           <p:cNvSpPr txBox="1"/>
           <p:nvPr/>
         </p:nvSpPr>
@@ -30480,7 +30467,7 @@
       </p:sp>
       <p:sp>
         <p:nvSpPr>
-          <p:cNvPr id="465" name="Shape 465"/>
+          <p:cNvPr id="474" name="Shape 474"/>
           <p:cNvSpPr txBox="1"/>
           <p:nvPr/>
         </p:nvSpPr>
@@ -30521,17 +30508,38 @@
               <a:buNone/>
             </a:pPr>
             <a:r>
-              <a:rPr lang="en-US" sz="2000" b="0" i="0" u="none" strike="noStrike" cap="none" baseline="0">
-                <a:solidFill>
-                  <a:schemeClr val="dk1"/>
-                </a:solidFill>
-                <a:latin typeface="Open Sans"/>
-                <a:ea typeface="Open Sans"/>
-                <a:cs typeface="Open Sans"/>
-                <a:sym typeface="Open Sans"/>
-              </a:rPr>
-              <a:t>Ido Barash</a:t>
-            </a:r>
+              <a:rPr lang="en-US" sz="2000" b="0" i="0" u="none" strike="noStrike" cap="none" baseline="0" dirty="0" err="1" smtClean="0">
+                <a:solidFill>
+                  <a:schemeClr val="dk1"/>
+                </a:solidFill>
+                <a:latin typeface="Open Sans"/>
+                <a:ea typeface="Open Sans"/>
+                <a:cs typeface="Open Sans"/>
+                <a:sym typeface="Open Sans"/>
+              </a:rPr>
+              <a:t>Chaim</a:t>
+            </a:r>
+            <a:r>
+              <a:rPr lang="en-US" sz="2000" b="0" i="0" u="none" strike="noStrike" cap="none" baseline="0" dirty="0" smtClean="0">
+                <a:solidFill>
+                  <a:schemeClr val="dk1"/>
+                </a:solidFill>
+                <a:latin typeface="Open Sans"/>
+                <a:ea typeface="Open Sans"/>
+                <a:cs typeface="Open Sans"/>
+                <a:sym typeface="Open Sans"/>
+              </a:rPr>
+              <a:t> Turkel</a:t>
+            </a:r>
+            <a:endParaRPr lang="en-US" sz="2000" b="0" i="0" u="none" strike="noStrike" cap="none" baseline="0" dirty="0">
+              <a:solidFill>
+                <a:schemeClr val="dk1"/>
+              </a:solidFill>
+              <a:latin typeface="Open Sans"/>
+              <a:ea typeface="Open Sans"/>
+              <a:cs typeface="Open Sans"/>
+              <a:sym typeface="Open Sans"/>
+            </a:endParaRPr>
           </a:p>
           <a:p>
             <a:pPr marL="0" marR="0" lvl="0" indent="0" algn="l" rtl="0">
@@ -30552,6 +30560,18 @@
               <a:buNone/>
             </a:pPr>
             <a:r>
+              <a:rPr lang="en-US" sz="2000" b="0" i="0" u="none" strike="noStrike" cap="none" baseline="0" dirty="0">
+                <a:solidFill>
+                  <a:schemeClr val="dk1"/>
+                </a:solidFill>
+                <a:latin typeface="Open Sans"/>
+                <a:ea typeface="Open Sans"/>
+                <a:cs typeface="Open Sans"/>
+                <a:sym typeface="Open Sans"/>
+              </a:rPr>
+              <a:t>Email</a:t>
+            </a:r>
+            <a:r>
               <a:rPr lang="en-US" sz="2000" b="0" i="0" u="none" strike="noStrike" cap="none" baseline="0">
                 <a:solidFill>
                   <a:schemeClr val="dk1"/>
@@ -30561,8 +30581,41 @@
                 <a:cs typeface="Open Sans"/>
                 <a:sym typeface="Open Sans"/>
               </a:rPr>
-              <a:t>Email: ido.barash@tikalk.com</a:t>
-            </a:r>
+              <a:t>: </a:t>
+            </a:r>
+            <a:r>
+              <a:rPr lang="en-US" sz="2000" smtClean="0">
+                <a:solidFill>
+                  <a:schemeClr val="dk1"/>
+                </a:solidFill>
+                <a:latin typeface="Open Sans"/>
+                <a:ea typeface="Open Sans"/>
+                <a:cs typeface="Open Sans"/>
+                <a:sym typeface="Open Sans"/>
+              </a:rPr>
+              <a:t>chaim</a:t>
+            </a:r>
+            <a:r>
+              <a:rPr lang="en-US" sz="2000" b="0" i="0" u="none" strike="noStrike" cap="none" baseline="0" smtClean="0">
+                <a:solidFill>
+                  <a:schemeClr val="dk1"/>
+                </a:solidFill>
+                <a:latin typeface="Open Sans"/>
+                <a:ea typeface="Open Sans"/>
+                <a:cs typeface="Open Sans"/>
+                <a:sym typeface="Open Sans"/>
+              </a:rPr>
+              <a:t>@tikalk.com</a:t>
+            </a:r>
+            <a:endParaRPr lang="en-US" sz="2000" b="0" i="0" u="none" strike="noStrike" cap="none" baseline="0" dirty="0">
+              <a:solidFill>
+                <a:schemeClr val="dk1"/>
+              </a:solidFill>
+              <a:latin typeface="Open Sans"/>
+              <a:ea typeface="Open Sans"/>
+              <a:cs typeface="Open Sans"/>
+              <a:sym typeface="Open Sans"/>
+            </a:endParaRPr>
           </a:p>
         </p:txBody>
       </p:sp>
